--- a/uploads/wdd2/wdd21/project_management.pptx
+++ b/uploads/wdd2/wdd21/project_management.pptx
@@ -229,14 +229,14 @@
           <a:effectLst/>
           <a:extLst>
             <a:ext uri="{909E8E84-426E-40DD-AFC4-6F175D3DCCD1}">
-              <a14:hiddenFill xmlns="" xmlns:a14="http://schemas.microsoft.com/office/drawing/2010/main">
+              <a14:hiddenFill xmlns:a14="http://schemas.microsoft.com/office/drawing/2010/main">
                 <a:solidFill>
                   <a:schemeClr val="accent1"/>
                 </a:solidFill>
               </a14:hiddenFill>
             </a:ext>
             <a:ext uri="{91240B29-F687-4F45-9708-019B960494DF}">
-              <a14:hiddenLine xmlns="" xmlns:a14="http://schemas.microsoft.com/office/drawing/2010/main" w="9525">
+              <a14:hiddenLine xmlns:a14="http://schemas.microsoft.com/office/drawing/2010/main" w="9525">
                 <a:solidFill>
                   <a:schemeClr val="tx1"/>
                 </a:solidFill>
@@ -246,7 +246,7 @@
               </a14:hiddenLine>
             </a:ext>
             <a:ext uri="{AF507438-7753-43E0-B8FC-AC1667EBCBE1}">
-              <a14:hiddenEffects xmlns="" xmlns:a14="http://schemas.microsoft.com/office/drawing/2010/main">
+              <a14:hiddenEffects xmlns:a14="http://schemas.microsoft.com/office/drawing/2010/main">
                 <a:effectLst>
                   <a:outerShdw dist="35921" dir="2700000" algn="ctr" rotWithShape="0">
                     <a:schemeClr val="bg2"/>
@@ -297,14 +297,14 @@
           <a:effectLst/>
           <a:extLst>
             <a:ext uri="{909E8E84-426E-40DD-AFC4-6F175D3DCCD1}">
-              <a14:hiddenFill xmlns="" xmlns:a14="http://schemas.microsoft.com/office/drawing/2010/main">
+              <a14:hiddenFill xmlns:a14="http://schemas.microsoft.com/office/drawing/2010/main">
                 <a:solidFill>
                   <a:schemeClr val="accent1"/>
                 </a:solidFill>
               </a14:hiddenFill>
             </a:ext>
             <a:ext uri="{91240B29-F687-4F45-9708-019B960494DF}">
-              <a14:hiddenLine xmlns="" xmlns:a14="http://schemas.microsoft.com/office/drawing/2010/main" w="9525">
+              <a14:hiddenLine xmlns:a14="http://schemas.microsoft.com/office/drawing/2010/main" w="9525">
                 <a:solidFill>
                   <a:schemeClr val="tx1"/>
                 </a:solidFill>
@@ -314,7 +314,7 @@
               </a14:hiddenLine>
             </a:ext>
             <a:ext uri="{AF507438-7753-43E0-B8FC-AC1667EBCBE1}">
-              <a14:hiddenEffects xmlns="" xmlns:a14="http://schemas.microsoft.com/office/drawing/2010/main">
+              <a14:hiddenEffects xmlns:a14="http://schemas.microsoft.com/office/drawing/2010/main">
                 <a:effectLst>
                   <a:outerShdw dist="35921" dir="2700000" algn="ctr" rotWithShape="0">
                     <a:schemeClr val="bg2"/>
@@ -365,14 +365,14 @@
           <a:effectLst/>
           <a:extLst>
             <a:ext uri="{909E8E84-426E-40DD-AFC4-6F175D3DCCD1}">
-              <a14:hiddenFill xmlns="" xmlns:a14="http://schemas.microsoft.com/office/drawing/2010/main">
+              <a14:hiddenFill xmlns:a14="http://schemas.microsoft.com/office/drawing/2010/main">
                 <a:solidFill>
                   <a:schemeClr val="accent1"/>
                 </a:solidFill>
               </a14:hiddenFill>
             </a:ext>
             <a:ext uri="{91240B29-F687-4F45-9708-019B960494DF}">
-              <a14:hiddenLine xmlns="" xmlns:a14="http://schemas.microsoft.com/office/drawing/2010/main" w="9525">
+              <a14:hiddenLine xmlns:a14="http://schemas.microsoft.com/office/drawing/2010/main" w="9525">
                 <a:solidFill>
                   <a:schemeClr val="tx1"/>
                 </a:solidFill>
@@ -382,7 +382,7 @@
               </a14:hiddenLine>
             </a:ext>
             <a:ext uri="{AF507438-7753-43E0-B8FC-AC1667EBCBE1}">
-              <a14:hiddenEffects xmlns="" xmlns:a14="http://schemas.microsoft.com/office/drawing/2010/main">
+              <a14:hiddenEffects xmlns:a14="http://schemas.microsoft.com/office/drawing/2010/main">
                 <a:effectLst>
                   <a:outerShdw dist="35921" dir="2700000" algn="ctr" rotWithShape="0">
                     <a:schemeClr val="bg2"/>
@@ -433,14 +433,14 @@
           <a:effectLst/>
           <a:extLst>
             <a:ext uri="{909E8E84-426E-40DD-AFC4-6F175D3DCCD1}">
-              <a14:hiddenFill xmlns="" xmlns:a14="http://schemas.microsoft.com/office/drawing/2010/main">
+              <a14:hiddenFill xmlns:a14="http://schemas.microsoft.com/office/drawing/2010/main">
                 <a:solidFill>
                   <a:schemeClr val="accent1"/>
                 </a:solidFill>
               </a14:hiddenFill>
             </a:ext>
             <a:ext uri="{91240B29-F687-4F45-9708-019B960494DF}">
-              <a14:hiddenLine xmlns="" xmlns:a14="http://schemas.microsoft.com/office/drawing/2010/main" w="9525">
+              <a14:hiddenLine xmlns:a14="http://schemas.microsoft.com/office/drawing/2010/main" w="9525">
                 <a:solidFill>
                   <a:schemeClr val="tx1"/>
                 </a:solidFill>
@@ -450,7 +450,7 @@
               </a14:hiddenLine>
             </a:ext>
             <a:ext uri="{AF507438-7753-43E0-B8FC-AC1667EBCBE1}">
-              <a14:hiddenEffects xmlns="" xmlns:a14="http://schemas.microsoft.com/office/drawing/2010/main">
+              <a14:hiddenEffects xmlns:a14="http://schemas.microsoft.com/office/drawing/2010/main">
                 <a:effectLst>
                   <a:outerShdw dist="35921" dir="2700000" algn="ctr" rotWithShape="0">
                     <a:schemeClr val="bg2"/>
@@ -482,6 +482,11 @@
         </p:txBody>
       </p:sp>
     </p:spTree>
+    <p:extLst>
+      <p:ext uri="{BB962C8B-B14F-4D97-AF65-F5344CB8AC3E}">
+        <p14:creationId xmlns:p14="http://schemas.microsoft.com/office/powerpoint/2010/main" val="2553726008"/>
+      </p:ext>
+    </p:extLst>
   </p:cSld>
   <p:clrMap bg1="lt1" tx1="dk1" bg2="lt2" tx2="dk2" accent1="accent1" accent2="accent2" accent3="accent3" accent4="accent4" accent5="accent5" accent6="accent6" hlink="hlink" folHlink="folHlink"/>
 </p:handoutMaster>
@@ -537,14 +542,14 @@
           <a:effectLst/>
           <a:extLst>
             <a:ext uri="{909E8E84-426E-40DD-AFC4-6F175D3DCCD1}">
-              <a14:hiddenFill xmlns="" xmlns:a14="http://schemas.microsoft.com/office/drawing/2010/main">
+              <a14:hiddenFill xmlns:a14="http://schemas.microsoft.com/office/drawing/2010/main">
                 <a:solidFill>
                   <a:schemeClr val="accent1"/>
                 </a:solidFill>
               </a14:hiddenFill>
             </a:ext>
             <a:ext uri="{91240B29-F687-4F45-9708-019B960494DF}">
-              <a14:hiddenLine xmlns="" xmlns:a14="http://schemas.microsoft.com/office/drawing/2010/main" w="9525">
+              <a14:hiddenLine xmlns:a14="http://schemas.microsoft.com/office/drawing/2010/main" w="9525">
                 <a:solidFill>
                   <a:schemeClr val="tx1"/>
                 </a:solidFill>
@@ -554,7 +559,7 @@
               </a14:hiddenLine>
             </a:ext>
             <a:ext uri="{AF507438-7753-43E0-B8FC-AC1667EBCBE1}">
-              <a14:hiddenEffects xmlns="" xmlns:a14="http://schemas.microsoft.com/office/drawing/2010/main">
+              <a14:hiddenEffects xmlns:a14="http://schemas.microsoft.com/office/drawing/2010/main">
                 <a:effectLst>
                   <a:outerShdw dist="35921" dir="2700000" algn="ctr" rotWithShape="0">
                     <a:schemeClr val="bg2"/>
@@ -605,14 +610,14 @@
           <a:effectLst/>
           <a:extLst>
             <a:ext uri="{909E8E84-426E-40DD-AFC4-6F175D3DCCD1}">
-              <a14:hiddenFill xmlns="" xmlns:a14="http://schemas.microsoft.com/office/drawing/2010/main">
+              <a14:hiddenFill xmlns:a14="http://schemas.microsoft.com/office/drawing/2010/main">
                 <a:solidFill>
                   <a:schemeClr val="accent1"/>
                 </a:solidFill>
               </a14:hiddenFill>
             </a:ext>
             <a:ext uri="{91240B29-F687-4F45-9708-019B960494DF}">
-              <a14:hiddenLine xmlns="" xmlns:a14="http://schemas.microsoft.com/office/drawing/2010/main" w="9525">
+              <a14:hiddenLine xmlns:a14="http://schemas.microsoft.com/office/drawing/2010/main" w="9525">
                 <a:solidFill>
                   <a:schemeClr val="tx1"/>
                 </a:solidFill>
@@ -622,7 +627,7 @@
               </a14:hiddenLine>
             </a:ext>
             <a:ext uri="{AF507438-7753-43E0-B8FC-AC1667EBCBE1}">
-              <a14:hiddenEffects xmlns="" xmlns:a14="http://schemas.microsoft.com/office/drawing/2010/main">
+              <a14:hiddenEffects xmlns:a14="http://schemas.microsoft.com/office/drawing/2010/main">
                 <a:effectLst>
                   <a:outerShdw dist="35921" dir="2700000" algn="ctr" rotWithShape="0">
                     <a:schemeClr val="bg2"/>
@@ -673,14 +678,14 @@
           <a:effectLst/>
           <a:extLst>
             <a:ext uri="{909E8E84-426E-40DD-AFC4-6F175D3DCCD1}">
-              <a14:hiddenFill xmlns="" xmlns:a14="http://schemas.microsoft.com/office/drawing/2010/main">
+              <a14:hiddenFill xmlns:a14="http://schemas.microsoft.com/office/drawing/2010/main">
                 <a:solidFill>
                   <a:schemeClr val="accent1"/>
                 </a:solidFill>
               </a14:hiddenFill>
             </a:ext>
             <a:ext uri="{91240B29-F687-4F45-9708-019B960494DF}">
-              <a14:hiddenLine xmlns="" xmlns:a14="http://schemas.microsoft.com/office/drawing/2010/main" w="9525">
+              <a14:hiddenLine xmlns:a14="http://schemas.microsoft.com/office/drawing/2010/main" w="9525">
                 <a:solidFill>
                   <a:schemeClr val="tx1"/>
                 </a:solidFill>
@@ -690,7 +695,7 @@
               </a14:hiddenLine>
             </a:ext>
             <a:ext uri="{AF507438-7753-43E0-B8FC-AC1667EBCBE1}">
-              <a14:hiddenEffects xmlns="" xmlns:a14="http://schemas.microsoft.com/office/drawing/2010/main">
+              <a14:hiddenEffects xmlns:a14="http://schemas.microsoft.com/office/drawing/2010/main">
                 <a:effectLst>
                   <a:outerShdw dist="35921" dir="2700000" algn="ctr" rotWithShape="0">
                     <a:schemeClr val="bg2"/>
@@ -741,14 +746,14 @@
           <a:effectLst/>
           <a:extLst>
             <a:ext uri="{909E8E84-426E-40DD-AFC4-6F175D3DCCD1}">
-              <a14:hiddenFill xmlns="" xmlns:a14="http://schemas.microsoft.com/office/drawing/2010/main">
+              <a14:hiddenFill xmlns:a14="http://schemas.microsoft.com/office/drawing/2010/main">
                 <a:solidFill>
                   <a:schemeClr val="accent1"/>
                 </a:solidFill>
               </a14:hiddenFill>
             </a:ext>
             <a:ext uri="{91240B29-F687-4F45-9708-019B960494DF}">
-              <a14:hiddenLine xmlns="" xmlns:a14="http://schemas.microsoft.com/office/drawing/2010/main" w="9525">
+              <a14:hiddenLine xmlns:a14="http://schemas.microsoft.com/office/drawing/2010/main" w="9525">
                 <a:solidFill>
                   <a:schemeClr val="tx1"/>
                 </a:solidFill>
@@ -758,7 +763,7 @@
               </a14:hiddenLine>
             </a:ext>
             <a:ext uri="{AF507438-7753-43E0-B8FC-AC1667EBCBE1}">
-              <a14:hiddenEffects xmlns="" xmlns:a14="http://schemas.microsoft.com/office/drawing/2010/main">
+              <a14:hiddenEffects xmlns:a14="http://schemas.microsoft.com/office/drawing/2010/main">
                 <a:effectLst>
                   <a:outerShdw dist="35921" dir="2700000" algn="ctr" rotWithShape="0">
                     <a:schemeClr val="bg2"/>
@@ -814,14 +819,14 @@
           <a:effectLst/>
           <a:extLst>
             <a:ext uri="{909E8E84-426E-40DD-AFC4-6F175D3DCCD1}">
-              <a14:hiddenFill xmlns="" xmlns:a14="http://schemas.microsoft.com/office/drawing/2010/main">
+              <a14:hiddenFill xmlns:a14="http://schemas.microsoft.com/office/drawing/2010/main">
                 <a:solidFill>
                   <a:schemeClr val="accent1"/>
                 </a:solidFill>
               </a14:hiddenFill>
             </a:ext>
             <a:ext uri="{91240B29-F687-4F45-9708-019B960494DF}">
-              <a14:hiddenLine xmlns="" xmlns:a14="http://schemas.microsoft.com/office/drawing/2010/main" w="9525">
+              <a14:hiddenLine xmlns:a14="http://schemas.microsoft.com/office/drawing/2010/main" w="9525">
                 <a:solidFill>
                   <a:schemeClr val="tx1"/>
                 </a:solidFill>
@@ -831,7 +836,7 @@
               </a14:hiddenLine>
             </a:ext>
             <a:ext uri="{AF507438-7753-43E0-B8FC-AC1667EBCBE1}">
-              <a14:hiddenEffects xmlns="" xmlns:a14="http://schemas.microsoft.com/office/drawing/2010/main">
+              <a14:hiddenEffects xmlns:a14="http://schemas.microsoft.com/office/drawing/2010/main">
                 <a:effectLst>
                   <a:outerShdw dist="35921" dir="2700000" algn="ctr" rotWithShape="0">
                     <a:schemeClr val="bg2"/>
@@ -916,6 +921,11 @@
         </p:spPr>
       </p:sp>
     </p:spTree>
+    <p:extLst>
+      <p:ext uri="{BB962C8B-B14F-4D97-AF65-F5344CB8AC3E}">
+        <p14:creationId xmlns:p14="http://schemas.microsoft.com/office/powerpoint/2010/main" val="3652613565"/>
+      </p:ext>
+    </p:extLst>
   </p:cSld>
   <p:clrMap bg1="lt1" tx1="dk1" bg2="lt2" tx2="dk2" accent1="accent1" accent2="accent2" accent3="accent3" accent4="accent4" accent5="accent5" accent6="accent6" hlink="hlink" folHlink="folHlink"/>
   <p:notesStyle>
@@ -5256,14 +5266,14 @@
           <a:effectLst/>
           <a:extLst>
             <a:ext uri="{909E8E84-426E-40DD-AFC4-6F175D3DCCD1}">
-              <a14:hiddenFill xmlns="" xmlns:a14="http://schemas.microsoft.com/office/drawing/2010/main">
+              <a14:hiddenFill xmlns:a14="http://schemas.microsoft.com/office/drawing/2010/main">
                 <a:solidFill>
                   <a:schemeClr val="accent1"/>
                 </a:solidFill>
               </a14:hiddenFill>
             </a:ext>
             <a:ext uri="{91240B29-F687-4F45-9708-019B960494DF}">
-              <a14:hiddenLine xmlns="" xmlns:a14="http://schemas.microsoft.com/office/drawing/2010/main" w="9525">
+              <a14:hiddenLine xmlns:a14="http://schemas.microsoft.com/office/drawing/2010/main" w="9525">
                 <a:solidFill>
                   <a:schemeClr val="tx1"/>
                 </a:solidFill>
@@ -5273,7 +5283,7 @@
               </a14:hiddenLine>
             </a:ext>
             <a:ext uri="{AF507438-7753-43E0-B8FC-AC1667EBCBE1}">
-              <a14:hiddenEffects xmlns="" xmlns:a14="http://schemas.microsoft.com/office/drawing/2010/main">
+              <a14:hiddenEffects xmlns:a14="http://schemas.microsoft.com/office/drawing/2010/main">
                 <a:effectLst>
                   <a:outerShdw dist="35921" dir="2700000" algn="ctr" rotWithShape="0">
                     <a:schemeClr val="bg2"/>
@@ -5324,14 +5334,14 @@
           <a:effectLst/>
           <a:extLst>
             <a:ext uri="{909E8E84-426E-40DD-AFC4-6F175D3DCCD1}">
-              <a14:hiddenFill xmlns="" xmlns:a14="http://schemas.microsoft.com/office/drawing/2010/main">
+              <a14:hiddenFill xmlns:a14="http://schemas.microsoft.com/office/drawing/2010/main">
                 <a:solidFill>
                   <a:schemeClr val="accent1"/>
                 </a:solidFill>
               </a14:hiddenFill>
             </a:ext>
             <a:ext uri="{91240B29-F687-4F45-9708-019B960494DF}">
-              <a14:hiddenLine xmlns="" xmlns:a14="http://schemas.microsoft.com/office/drawing/2010/main" w="9525">
+              <a14:hiddenLine xmlns:a14="http://schemas.microsoft.com/office/drawing/2010/main" w="9525">
                 <a:solidFill>
                   <a:schemeClr val="tx1"/>
                 </a:solidFill>
@@ -5341,7 +5351,7 @@
               </a14:hiddenLine>
             </a:ext>
             <a:ext uri="{AF507438-7753-43E0-B8FC-AC1667EBCBE1}">
-              <a14:hiddenEffects xmlns="" xmlns:a14="http://schemas.microsoft.com/office/drawing/2010/main">
+              <a14:hiddenEffects xmlns:a14="http://schemas.microsoft.com/office/drawing/2010/main">
                 <a:effectLst>
                   <a:outerShdw dist="35921" dir="2700000" algn="ctr" rotWithShape="0">
                     <a:schemeClr val="bg2"/>
@@ -5392,14 +5402,14 @@
           <a:effectLst/>
           <a:extLst>
             <a:ext uri="{909E8E84-426E-40DD-AFC4-6F175D3DCCD1}">
-              <a14:hiddenFill xmlns="" xmlns:a14="http://schemas.microsoft.com/office/drawing/2010/main">
+              <a14:hiddenFill xmlns:a14="http://schemas.microsoft.com/office/drawing/2010/main">
                 <a:solidFill>
                   <a:schemeClr val="accent1"/>
                 </a:solidFill>
               </a14:hiddenFill>
             </a:ext>
             <a:ext uri="{91240B29-F687-4F45-9708-019B960494DF}">
-              <a14:hiddenLine xmlns="" xmlns:a14="http://schemas.microsoft.com/office/drawing/2010/main" w="9525">
+              <a14:hiddenLine xmlns:a14="http://schemas.microsoft.com/office/drawing/2010/main" w="9525">
                 <a:solidFill>
                   <a:schemeClr val="tx1"/>
                 </a:solidFill>
@@ -5409,7 +5419,7 @@
               </a14:hiddenLine>
             </a:ext>
             <a:ext uri="{AF507438-7753-43E0-B8FC-AC1667EBCBE1}">
-              <a14:hiddenEffects xmlns="" xmlns:a14="http://schemas.microsoft.com/office/drawing/2010/main">
+              <a14:hiddenEffects xmlns:a14="http://schemas.microsoft.com/office/drawing/2010/main">
                 <a:effectLst>
                   <a:outerShdw dist="35921" dir="2700000" algn="ctr" rotWithShape="0">
                     <a:schemeClr val="bg2"/>
@@ -5987,28 +5997,34 @@
           <a:p>
             <a:pPr algn="ctr"/>
             <a:r>
+              <a:rPr lang="en-GB" sz="2800" smtClean="0">
+                <a:latin typeface="Arial" charset="0"/>
+              </a:rPr>
+              <a:t>7</a:t>
+            </a:r>
+            <a:r>
+              <a:rPr lang="en-GB" sz="2800" baseline="30000" smtClean="0">
+                <a:latin typeface="Arial" charset="0"/>
+              </a:rPr>
+              <a:t>th</a:t>
+            </a:r>
+            <a:r>
+              <a:rPr lang="en-GB" sz="2800" smtClean="0">
+                <a:latin typeface="Arial" charset="0"/>
+              </a:rPr>
+              <a:t> </a:t>
+            </a:r>
+            <a:r>
               <a:rPr lang="en-GB" sz="2800" dirty="0">
                 <a:latin typeface="Arial" charset="0"/>
               </a:rPr>
-              <a:t>8</a:t>
-            </a:r>
-            <a:r>
-              <a:rPr lang="en-GB" sz="2800" baseline="30000" dirty="0" smtClean="0">
-                <a:latin typeface="Arial" charset="0"/>
-              </a:rPr>
-              <a:t>th</a:t>
+              <a:t>December </a:t>
             </a:r>
             <a:r>
               <a:rPr lang="en-GB" sz="2800" dirty="0" smtClean="0">
                 <a:latin typeface="Arial" charset="0"/>
               </a:rPr>
-              <a:t> </a:t>
-            </a:r>
-            <a:r>
-              <a:rPr lang="en-GB" sz="2800" dirty="0">
-                <a:latin typeface="Arial" charset="0"/>
-              </a:rPr>
-              <a:t>December 2012</a:t>
+              <a:t>2013</a:t>
             </a:r>
             <a:endParaRPr lang="en-US" sz="2800" dirty="0">
               <a:latin typeface="Arial" charset="0"/>
@@ -6252,7 +6268,7 @@
         <p:nvGraphicFramePr>
           <p:cNvPr id="13315" name="Object 3075"/>
           <p:cNvGraphicFramePr>
-            <a:graphicFrameLocks noChangeAspect="1"/>
+            <a:graphicFrameLocks noGrp="1" noChangeAspect="1"/>
           </p:cNvGraphicFramePr>
           <p:nvPr>
             <p:ph type="dgm" idx="1"/>
@@ -6264,9 +6280,59 @@
         </p:xfrm>
         <a:graphic>
           <a:graphicData uri="http://schemas.openxmlformats.org/presentationml/2006/ole">
-            <p:oleObj spid="_x0000_s13315" name="MS Org Chart" r:id="rId3" imgW="3921369" imgH="1406769" progId="OrgPlusWOPX.4">
-              <p:embed followColorScheme="full"/>
-            </p:oleObj>
+            <mc:AlternateContent xmlns:mc="http://schemas.openxmlformats.org/markup-compatibility/2006">
+              <mc:Choice xmlns:v="urn:schemas-microsoft-com:vml" Requires="v">
+                <p:oleObj spid="_x0000_s13316" name="MS Org Chart" r:id="rId3" imgW="3921369" imgH="1406769" progId="OrgPlusWOPX.4">
+                  <p:embed followColorScheme="full"/>
+                </p:oleObj>
+              </mc:Choice>
+              <mc:Fallback>
+                <p:oleObj name="MS Org Chart" r:id="rId3" imgW="3921369" imgH="1406769" progId="OrgPlusWOPX.4">
+                  <p:embed followColorScheme="full"/>
+                  <p:pic>
+                    <p:nvPicPr>
+                      <p:cNvPr id="0" name="Object 3075"/>
+                      <p:cNvPicPr>
+                        <a:picLocks noChangeAspect="1" noChangeArrowheads="1"/>
+                      </p:cNvPicPr>
+                      <p:nvPr/>
+                    </p:nvPicPr>
+                    <p:blipFill>
+                      <a:blip r:embed="rId4">
+                        <a:extLst>
+                          <a:ext uri="{28A0092B-C50C-407E-A947-70E740481C1C}">
+                            <a14:useLocalDpi xmlns:a14="http://schemas.microsoft.com/office/drawing/2010/main" val="0"/>
+                          </a:ext>
+                        </a:extLst>
+                      </a:blip>
+                      <a:srcRect/>
+                      <a:stretch>
+                        <a:fillRect/>
+                      </a:stretch>
+                    </p:blipFill>
+                    <p:spPr bwMode="auto">
+                      <a:xfrm>
+                        <a:off x="2057400" y="3238500"/>
+                        <a:ext cx="5867400" cy="1790700"/>
+                      </a:xfrm>
+                      <a:prstGeom prst="rect">
+                        <a:avLst/>
+                      </a:prstGeom>
+                      <a:noFill/>
+                      <a:extLst>
+                        <a:ext uri="{909E8E84-426E-40DD-AFC4-6F175D3DCCD1}">
+                          <a14:hiddenFill xmlns:a14="http://schemas.microsoft.com/office/drawing/2010/main">
+                            <a:solidFill>
+                              <a:srgbClr val="FFFFFF"/>
+                            </a:solidFill>
+                          </a14:hiddenFill>
+                        </a:ext>
+                      </a:extLst>
+                    </p:spPr>
+                  </p:pic>
+                </p:oleObj>
+              </mc:Fallback>
+            </mc:AlternateContent>
           </a:graphicData>
         </a:graphic>
       </p:graphicFrame>
@@ -7212,7 +7278,7 @@
         <p:nvGraphicFramePr>
           <p:cNvPr id="18435" name="Object 3"/>
           <p:cNvGraphicFramePr>
-            <a:graphicFrameLocks noChangeAspect="1"/>
+            <a:graphicFrameLocks noGrp="1" noChangeAspect="1"/>
           </p:cNvGraphicFramePr>
           <p:nvPr>
             <p:ph type="dgm" idx="1"/>
@@ -7224,9 +7290,59 @@
         </p:xfrm>
         <a:graphic>
           <a:graphicData uri="http://schemas.openxmlformats.org/presentationml/2006/ole">
-            <p:oleObj spid="_x0000_s18435" name="MS Org Chart" r:id="rId3" imgW="2631600" imgH="1090800" progId="OrgPlusWOPX.4">
-              <p:embed followColorScheme="full"/>
-            </p:oleObj>
+            <mc:AlternateContent xmlns:mc="http://schemas.openxmlformats.org/markup-compatibility/2006">
+              <mc:Choice xmlns:v="urn:schemas-microsoft-com:vml" Requires="v">
+                <p:oleObj spid="_x0000_s18436" name="MS Org Chart" r:id="rId3" imgW="2631600" imgH="1090800" progId="OrgPlusWOPX.4">
+                  <p:embed followColorScheme="full"/>
+                </p:oleObj>
+              </mc:Choice>
+              <mc:Fallback>
+                <p:oleObj name="MS Org Chart" r:id="rId3" imgW="2631600" imgH="1090800" progId="OrgPlusWOPX.4">
+                  <p:embed followColorScheme="full"/>
+                  <p:pic>
+                    <p:nvPicPr>
+                      <p:cNvPr id="0" name="Object 3"/>
+                      <p:cNvPicPr>
+                        <a:picLocks noChangeAspect="1" noChangeArrowheads="1"/>
+                      </p:cNvPicPr>
+                      <p:nvPr/>
+                    </p:nvPicPr>
+                    <p:blipFill>
+                      <a:blip r:embed="rId4">
+                        <a:extLst>
+                          <a:ext uri="{28A0092B-C50C-407E-A947-70E740481C1C}">
+                            <a14:useLocalDpi xmlns:a14="http://schemas.microsoft.com/office/drawing/2010/main" val="0"/>
+                          </a:ext>
+                        </a:extLst>
+                      </a:blip>
+                      <a:srcRect/>
+                      <a:stretch>
+                        <a:fillRect/>
+                      </a:stretch>
+                    </p:blipFill>
+                    <p:spPr bwMode="auto">
+                      <a:xfrm>
+                        <a:off x="1828800" y="3022600"/>
+                        <a:ext cx="5791200" cy="2159000"/>
+                      </a:xfrm>
+                      <a:prstGeom prst="rect">
+                        <a:avLst/>
+                      </a:prstGeom>
+                      <a:noFill/>
+                      <a:extLst>
+                        <a:ext uri="{909E8E84-426E-40DD-AFC4-6F175D3DCCD1}">
+                          <a14:hiddenFill xmlns:a14="http://schemas.microsoft.com/office/drawing/2010/main">
+                            <a:solidFill>
+                              <a:srgbClr val="FFFFFF"/>
+                            </a:solidFill>
+                          </a14:hiddenFill>
+                        </a:ext>
+                      </a:extLst>
+                    </p:spPr>
+                  </p:pic>
+                </p:oleObj>
+              </mc:Fallback>
+            </mc:AlternateContent>
           </a:graphicData>
         </a:graphic>
       </p:graphicFrame>
@@ -12204,7 +12320,7 @@
         <a:effectLst/>
         <a:extLst>
           <a:ext uri="{AF507438-7753-43E0-B8FC-AC1667EBCBE1}">
-            <a14:hiddenEffects xmlns="" xmlns:a14="http://schemas.microsoft.com/office/drawing/2010/main">
+            <a14:hiddenEffects xmlns:a14="http://schemas.microsoft.com/office/drawing/2010/main">
               <a:effectLst>
                 <a:outerShdw dist="35921" dir="2700000" algn="ctr" rotWithShape="0">
                   <a:schemeClr val="bg2"/>
@@ -12277,7 +12393,7 @@
         <a:effectLst/>
         <a:extLst>
           <a:ext uri="{AF507438-7753-43E0-B8FC-AC1667EBCBE1}">
-            <a14:hiddenEffects xmlns="" xmlns:a14="http://schemas.microsoft.com/office/drawing/2010/main">
+            <a14:hiddenEffects xmlns:a14="http://schemas.microsoft.com/office/drawing/2010/main">
               <a:effectLst>
                 <a:outerShdw dist="35921" dir="2700000" algn="ctr" rotWithShape="0">
                   <a:schemeClr val="bg2"/>
